--- a/docs/mid_term_report.pptx
+++ b/docs/mid_term_report.pptx
@@ -5,7 +5,7 @@
     <p:sldMasterId id="2147483648" r:id="rId1"/>
   </p:sldMasterIdLst>
   <p:notesMasterIdLst>
-    <p:notesMasterId r:id="rId18"/>
+    <p:notesMasterId r:id="rId17"/>
   </p:notesMasterIdLst>
   <p:sldIdLst>
     <p:sldId id="256" r:id="rId2"/>
@@ -14,16 +14,15 @@
     <p:sldId id="272" r:id="rId5"/>
     <p:sldId id="274" r:id="rId6"/>
     <p:sldId id="267" r:id="rId7"/>
-    <p:sldId id="270" r:id="rId8"/>
-    <p:sldId id="259" r:id="rId9"/>
-    <p:sldId id="273" r:id="rId10"/>
-    <p:sldId id="260" r:id="rId11"/>
-    <p:sldId id="261" r:id="rId12"/>
-    <p:sldId id="262" r:id="rId13"/>
-    <p:sldId id="263" r:id="rId14"/>
-    <p:sldId id="268" r:id="rId15"/>
-    <p:sldId id="264" r:id="rId16"/>
-    <p:sldId id="275" r:id="rId17"/>
+    <p:sldId id="259" r:id="rId8"/>
+    <p:sldId id="273" r:id="rId9"/>
+    <p:sldId id="260" r:id="rId10"/>
+    <p:sldId id="261" r:id="rId11"/>
+    <p:sldId id="262" r:id="rId12"/>
+    <p:sldId id="263" r:id="rId13"/>
+    <p:sldId id="268" r:id="rId14"/>
+    <p:sldId id="264" r:id="rId15"/>
+    <p:sldId id="275" r:id="rId16"/>
   </p:sldIdLst>
   <p:sldSz cx="12192000" cy="6858000"/>
   <p:notesSz cx="6858000" cy="9144000"/>
@@ -556,7 +555,7 @@
           <a:p>
             <a:fld id="{C0AEF3EB-6791-4A01-BDCC-BB760E0EC964}" type="slidenum">
               <a:rPr lang="zh-CN" altLang="en-US" smtClean="0"/>
-              <a:t>8</a:t>
+              <a:t>7</a:t>
             </a:fld>
             <a:endParaRPr lang="zh-CN" altLang="en-US"/>
           </a:p>
@@ -3464,35 +3463,7 @@
                 <a:latin typeface="微软雅黑" panose="020B0503020204020204" pitchFamily="34" charset="-122"/>
                 <a:ea typeface="微软雅黑" panose="020B0503020204020204" pitchFamily="34" charset="-122"/>
               </a:rPr>
-              <a:t>Implementing an OS </a:t>
-            </a:r>
-            <a:r>
-              <a:rPr lang="en-US" altLang="zh-CN" sz="5000" dirty="0" smtClean="0">
-                <a:latin typeface="微软雅黑" panose="020B0503020204020204" pitchFamily="34" charset="-122"/>
-                <a:ea typeface="微软雅黑" panose="020B0503020204020204" pitchFamily="34" charset="-122"/>
-              </a:rPr>
-              <a:t>for </a:t>
-            </a:r>
-            <a:r>
-              <a:rPr lang="en-US" altLang="zh-CN" sz="5000" dirty="0" smtClean="0">
-                <a:latin typeface="微软雅黑" panose="020B0503020204020204" pitchFamily="34" charset="-122"/>
-                <a:ea typeface="微软雅黑" panose="020B0503020204020204" pitchFamily="34" charset="-122"/>
-              </a:rPr>
-              <a:t>Raspberry Pi 3 </a:t>
-            </a:r>
-            <a:r>
-              <a:rPr lang="en-US" altLang="zh-CN" sz="5000" dirty="0" smtClean="0">
-                <a:latin typeface="微软雅黑" panose="020B0503020204020204" pitchFamily="34" charset="-122"/>
-                <a:ea typeface="微软雅黑" panose="020B0503020204020204" pitchFamily="34" charset="-122"/>
-              </a:rPr>
-              <a:t>in </a:t>
-            </a:r>
-            <a:r>
-              <a:rPr lang="en-US" altLang="zh-CN" sz="5000" dirty="0" smtClean="0">
-                <a:latin typeface="微软雅黑" panose="020B0503020204020204" pitchFamily="34" charset="-122"/>
-                <a:ea typeface="微软雅黑" panose="020B0503020204020204" pitchFamily="34" charset="-122"/>
-              </a:rPr>
-              <a:t>Rust</a:t>
+              <a:t>Implementing an OS for Raspberry Pi 3 in Rust</a:t>
             </a:r>
             <a:endParaRPr lang="zh-CN" altLang="en-US" sz="5000" dirty="0">
               <a:latin typeface="微软雅黑" panose="020B0503020204020204" pitchFamily="34" charset="-122"/>
@@ -3595,104 +3566,6 @@
                 <a:latin typeface="微软雅黑" panose="020B0503020204020204" pitchFamily="34" charset="-122"/>
                 <a:ea typeface="微软雅黑" panose="020B0503020204020204" pitchFamily="34" charset="-122"/>
               </a:rPr>
-              <a:t>CS140e @ </a:t>
-            </a:r>
-            <a:r>
-              <a:rPr lang="en-US" altLang="zh-CN" dirty="0" smtClean="0">
-                <a:latin typeface="微软雅黑" panose="020B0503020204020204" pitchFamily="34" charset="-122"/>
-                <a:ea typeface="微软雅黑" panose="020B0503020204020204" pitchFamily="34" charset="-122"/>
-                <a:hlinkClick r:id="rId2"/>
-              </a:rPr>
-              <a:t>https://cs140e.sergio.bz/</a:t>
-            </a:r>
-            <a:endParaRPr lang="zh-CN" altLang="en-US" dirty="0">
-              <a:latin typeface="微软雅黑" panose="020B0503020204020204" pitchFamily="34" charset="-122"/>
-              <a:ea typeface="微软雅黑" panose="020B0503020204020204" pitchFamily="34" charset="-122"/>
-            </a:endParaRPr>
-          </a:p>
-        </p:txBody>
-      </p:sp>
-      <p:pic>
-        <p:nvPicPr>
-          <p:cNvPr id="8" name="图片 7"/>
-          <p:cNvPicPr>
-            <a:picLocks noChangeAspect="1"/>
-          </p:cNvPicPr>
-          <p:nvPr/>
-        </p:nvPicPr>
-        <p:blipFill>
-          <a:blip r:embed="rId3"/>
-          <a:stretch>
-            <a:fillRect/>
-          </a:stretch>
-        </p:blipFill>
-        <p:spPr>
-          <a:xfrm>
-            <a:off x="0" y="1536700"/>
-            <a:ext cx="12192000" cy="5321300"/>
-          </a:xfrm>
-          <a:prstGeom prst="rect">
-            <a:avLst/>
-          </a:prstGeom>
-        </p:spPr>
-      </p:pic>
-    </p:spTree>
-    <p:extLst>
-      <p:ext uri="{BB962C8B-B14F-4D97-AF65-F5344CB8AC3E}">
-        <p14:creationId xmlns:p14="http://schemas.microsoft.com/office/powerpoint/2010/main" val="2938195899"/>
-      </p:ext>
-    </p:extLst>
-  </p:cSld>
-  <p:clrMapOvr>
-    <a:masterClrMapping/>
-  </p:clrMapOvr>
-  <p:timing>
-    <p:tnLst>
-      <p:par>
-        <p:cTn id="1" dur="indefinite" restart="never" nodeType="tmRoot"/>
-      </p:par>
-    </p:tnLst>
-  </p:timing>
-</p:sld>
-</file>
-
-<file path=ppt/slides/slide11.xml><?xml version="1.0" encoding="utf-8"?>
-<p:sld xmlns:a="http://schemas.openxmlformats.org/drawingml/2006/main" xmlns:r="http://schemas.openxmlformats.org/officeDocument/2006/relationships" xmlns:p="http://schemas.openxmlformats.org/presentationml/2006/main">
-  <p:cSld>
-    <p:spTree>
-      <p:nvGrpSpPr>
-        <p:cNvPr id="1" name=""/>
-        <p:cNvGrpSpPr/>
-        <p:nvPr/>
-      </p:nvGrpSpPr>
-      <p:grpSpPr>
-        <a:xfrm>
-          <a:off x="0" y="0"/>
-          <a:ext cx="0" cy="0"/>
-          <a:chOff x="0" y="0"/>
-          <a:chExt cx="0" cy="0"/>
-        </a:xfrm>
-      </p:grpSpPr>
-      <p:sp>
-        <p:nvSpPr>
-          <p:cNvPr id="2" name="标题 1"/>
-          <p:cNvSpPr>
-            <a:spLocks noGrp="1"/>
-          </p:cNvSpPr>
-          <p:nvPr>
-            <p:ph type="title"/>
-          </p:nvPr>
-        </p:nvSpPr>
-        <p:spPr/>
-        <p:txBody>
-          <a:bodyPr/>
-          <a:lstStyle/>
-          <a:p>
-            <a:r>
-              <a:rPr lang="en-US" altLang="zh-CN" dirty="0" smtClean="0">
-                <a:latin typeface="微软雅黑" panose="020B0503020204020204" pitchFamily="34" charset="-122"/>
-                <a:ea typeface="微软雅黑" panose="020B0503020204020204" pitchFamily="34" charset="-122"/>
-              </a:rPr>
               <a:t>What had we done?</a:t>
             </a:r>
             <a:endParaRPr lang="zh-CN" altLang="en-US" dirty="0">
@@ -3759,7 +3632,26 @@
                 <a:latin typeface="微软雅黑" panose="020B0503020204020204" pitchFamily="34" charset="-122"/>
                 <a:ea typeface="微软雅黑" panose="020B0503020204020204" pitchFamily="34" charset="-122"/>
               </a:rPr>
-              <a:t>Assignment 1: Shell </a:t>
+              <a:t>Assignment 1: Sh</a:t>
+            </a:r>
+            <a:r>
+              <a:rPr lang="en-US" altLang="zh-CN" dirty="0">
+                <a:solidFill>
+                  <a:schemeClr val="bg1">
+                    <a:lumMod val="75000"/>
+                  </a:schemeClr>
+                </a:solidFill>
+                <a:latin typeface="微软雅黑" panose="020B0503020204020204" pitchFamily="34" charset="-122"/>
+                <a:ea typeface="微软雅黑" panose="020B0503020204020204" pitchFamily="34" charset="-122"/>
+              </a:rPr>
+              <a:t>ell</a:t>
+            </a:r>
+            <a:r>
+              <a:rPr lang="en-US" altLang="zh-CN" dirty="0">
+                <a:latin typeface="微软雅黑" panose="020B0503020204020204" pitchFamily="34" charset="-122"/>
+                <a:ea typeface="微软雅黑" panose="020B0503020204020204" pitchFamily="34" charset="-122"/>
+              </a:rPr>
+              <a:t> </a:t>
             </a:r>
             <a:endParaRPr lang="en-US" altLang="zh-CN" dirty="0" smtClean="0">
               <a:latin typeface="微软雅黑" panose="020B0503020204020204" pitchFamily="34" charset="-122"/>
@@ -3863,7 +3755,7 @@
 </p:sld>
 </file>
 
-<file path=ppt/slides/slide12.xml><?xml version="1.0" encoding="utf-8"?>
+<file path=ppt/slides/slide11.xml><?xml version="1.0" encoding="utf-8"?>
 <p:sld xmlns:a="http://schemas.openxmlformats.org/drawingml/2006/main" xmlns:r="http://schemas.openxmlformats.org/officeDocument/2006/relationships" xmlns:p="http://schemas.openxmlformats.org/presentationml/2006/main">
   <p:cSld>
     <p:spTree>
@@ -4055,7 +3947,7 @@
 </p:sld>
 </file>
 
-<file path=ppt/slides/slide13.xml><?xml version="1.0" encoding="utf-8"?>
+<file path=ppt/slides/slide12.xml><?xml version="1.0" encoding="utf-8"?>
 <p:sld xmlns:a="http://schemas.openxmlformats.org/drawingml/2006/main" xmlns:r="http://schemas.openxmlformats.org/officeDocument/2006/relationships" xmlns:p="http://schemas.openxmlformats.org/presentationml/2006/main">
   <p:cSld>
     <p:spTree>
@@ -4114,21 +4006,7 @@
                 <a:latin typeface="Microsoft YaHei Mono" panose="020B0509020204020204" pitchFamily="49" charset="-122"/>
                 <a:ea typeface="Microsoft YaHei Mono" panose="020B0509020204020204" pitchFamily="49" charset="-122"/>
               </a:rPr>
-              <a:t> </a:t>
-            </a:r>
-            <a:r>
-              <a:rPr lang="en-US" altLang="zh-CN" dirty="0" smtClean="0">
-                <a:latin typeface="Microsoft YaHei Mono" panose="020B0509020204020204" pitchFamily="49" charset="-122"/>
-                <a:ea typeface="Microsoft YaHei Mono" panose="020B0509020204020204" pitchFamily="49" charset="-122"/>
-              </a:rPr>
-              <a:t>screen </a:t>
-            </a:r>
-            <a:r>
-              <a:rPr lang="en-US" altLang="zh-CN" dirty="0" smtClean="0">
-                <a:latin typeface="Microsoft YaHei Mono" panose="020B0509020204020204" pitchFamily="49" charset="-122"/>
-                <a:ea typeface="Microsoft YaHei Mono" panose="020B0509020204020204" pitchFamily="49" charset="-122"/>
-              </a:rPr>
-              <a:t>/dev/ttyUSB0 115200</a:t>
+              <a:t> screen /dev/ttyUSB0 115200</a:t>
             </a:r>
             <a:endParaRPr lang="zh-CN" altLang="en-US" dirty="0">
               <a:latin typeface="Microsoft YaHei Mono" panose="020B0509020204020204" pitchFamily="49" charset="-122"/>
@@ -4187,7 +4065,7 @@
 </p:sld>
 </file>
 
-<file path=ppt/slides/slide14.xml><?xml version="1.0" encoding="utf-8"?>
+<file path=ppt/slides/slide13.xml><?xml version="1.0" encoding="utf-8"?>
 <p:sld xmlns:a="http://schemas.openxmlformats.org/drawingml/2006/main" xmlns:r="http://schemas.openxmlformats.org/officeDocument/2006/relationships" xmlns:p="http://schemas.openxmlformats.org/presentationml/2006/main">
   <p:cSld>
     <p:spTree>
@@ -4238,14 +4116,7 @@
                 <a:latin typeface="微软雅黑" panose="020B0503020204020204" pitchFamily="34" charset="-122"/>
                 <a:ea typeface="微软雅黑" panose="020B0503020204020204" pitchFamily="34" charset="-122"/>
               </a:rPr>
-              <a:t>utty.exe  COMXX </a:t>
-            </a:r>
-            <a:r>
-              <a:rPr lang="en-US" altLang="zh-CN" sz="2800" dirty="0" smtClean="0">
-                <a:latin typeface="微软雅黑" panose="020B0503020204020204" pitchFamily="34" charset="-122"/>
-                <a:ea typeface="微软雅黑" panose="020B0503020204020204" pitchFamily="34" charset="-122"/>
-              </a:rPr>
-              <a:t>115200bps</a:t>
+              <a:t>utty.exe  COMXX 115200bps</a:t>
             </a:r>
             <a:endParaRPr lang="zh-CN" altLang="en-US" sz="2800" dirty="0">
               <a:latin typeface="微软雅黑" panose="020B0503020204020204" pitchFamily="34" charset="-122"/>
@@ -4369,7 +4240,7 @@
 </p:sld>
 </file>
 
-<file path=ppt/slides/slide15.xml><?xml version="1.0" encoding="utf-8"?>
+<file path=ppt/slides/slide14.xml><?xml version="1.0" encoding="utf-8"?>
 <p:sld xmlns:a="http://schemas.openxmlformats.org/drawingml/2006/main" xmlns:r="http://schemas.openxmlformats.org/officeDocument/2006/relationships" xmlns:p="http://schemas.openxmlformats.org/presentationml/2006/main">
   <p:cSld>
     <p:spTree>
@@ -4424,7 +4295,7 @@
         </p:nvSpPr>
         <p:spPr>
           <a:xfrm>
-            <a:off x="838200" y="2059307"/>
+            <a:off x="1741025" y="2059307"/>
             <a:ext cx="2362200" cy="3339762"/>
           </a:xfrm>
         </p:spPr>
@@ -4578,7 +4449,7 @@
         </p:nvSpPr>
         <p:spPr>
           <a:xfrm>
-            <a:off x="2519463" y="3344241"/>
+            <a:off x="3422288" y="3344241"/>
             <a:ext cx="1225686" cy="417852"/>
           </a:xfrm>
           <a:prstGeom prst="chevron">
@@ -4620,7 +4491,7 @@
         </p:nvSpPr>
         <p:spPr>
           <a:xfrm>
-            <a:off x="4095345" y="3237696"/>
+            <a:off x="4998170" y="3237696"/>
             <a:ext cx="1215397" cy="630942"/>
           </a:xfrm>
           <a:prstGeom prst="rect">
@@ -4648,6 +4519,36 @@
           </a:p>
         </p:txBody>
       </p:sp>
+      <p:pic>
+        <p:nvPicPr>
+          <p:cNvPr id="3" name="图片 2"/>
+          <p:cNvPicPr>
+            <a:picLocks noChangeAspect="1"/>
+          </p:cNvPicPr>
+          <p:nvPr/>
+        </p:nvPicPr>
+        <p:blipFill>
+          <a:blip r:embed="rId2">
+            <a:extLst>
+              <a:ext uri="{28A0092B-C50C-407E-A947-70E740481C1C}">
+                <a14:useLocalDpi xmlns:a14="http://schemas.microsoft.com/office/drawing/2010/main" val="0"/>
+              </a:ext>
+            </a:extLst>
+          </a:blip>
+          <a:stretch>
+            <a:fillRect/>
+          </a:stretch>
+        </p:blipFill>
+        <p:spPr>
+          <a:xfrm>
+            <a:off x="7108512" y="2329013"/>
+            <a:ext cx="3810000" cy="2800350"/>
+          </a:xfrm>
+          <a:prstGeom prst="rect">
+            <a:avLst/>
+          </a:prstGeom>
+        </p:spPr>
+      </p:pic>
     </p:spTree>
     <p:extLst>
       <p:ext uri="{BB962C8B-B14F-4D97-AF65-F5344CB8AC3E}">
@@ -4668,7 +4569,7 @@
 </p:sld>
 </file>
 
-<file path=ppt/slides/slide16.xml><?xml version="1.0" encoding="utf-8"?>
+<file path=ppt/slides/slide15.xml><?xml version="1.0" encoding="utf-8"?>
 <p:sld xmlns:a="http://schemas.openxmlformats.org/drawingml/2006/main" xmlns:r="http://schemas.openxmlformats.org/officeDocument/2006/relationships" xmlns:p="http://schemas.openxmlformats.org/presentationml/2006/main">
   <p:cSld>
     <p:spTree>
@@ -5249,6 +5150,36 @@
           </a:p>
         </p:txBody>
       </p:sp>
+      <p:pic>
+        <p:nvPicPr>
+          <p:cNvPr id="3" name="图片 2"/>
+          <p:cNvPicPr>
+            <a:picLocks noChangeAspect="1"/>
+          </p:cNvPicPr>
+          <p:nvPr/>
+        </p:nvPicPr>
+        <p:blipFill>
+          <a:blip r:embed="rId2">
+            <a:extLst>
+              <a:ext uri="{28A0092B-C50C-407E-A947-70E740481C1C}">
+                <a14:useLocalDpi xmlns:a14="http://schemas.microsoft.com/office/drawing/2010/main" val="0"/>
+              </a:ext>
+            </a:extLst>
+          </a:blip>
+          <a:stretch>
+            <a:fillRect/>
+          </a:stretch>
+        </p:blipFill>
+        <p:spPr>
+          <a:xfrm>
+            <a:off x="1865935" y="1108929"/>
+            <a:ext cx="8460129" cy="6173317"/>
+          </a:xfrm>
+          <a:prstGeom prst="rect">
+            <a:avLst/>
+          </a:prstGeom>
+        </p:spPr>
+      </p:pic>
     </p:spTree>
     <p:extLst>
       <p:ext uri="{BB962C8B-B14F-4D97-AF65-F5344CB8AC3E}">
@@ -5286,40 +5217,153 @@
           <a:chExt cx="0" cy="0"/>
         </a:xfrm>
       </p:grpSpPr>
-      <p:pic>
-        <p:nvPicPr>
-          <p:cNvPr id="4" name="图片 3"/>
-          <p:cNvPicPr>
-            <a:picLocks noChangeAspect="1"/>
-          </p:cNvPicPr>
+      <p:sp>
+        <p:nvSpPr>
+          <p:cNvPr id="2" name="标题 1"/>
+          <p:cNvSpPr>
+            <a:spLocks noGrp="1"/>
+          </p:cNvSpPr>
+          <p:nvPr>
+            <p:ph type="title"/>
+          </p:nvPr>
+        </p:nvSpPr>
+        <p:spPr/>
+        <p:txBody>
+          <a:bodyPr/>
+          <a:lstStyle/>
+          <a:p>
+            <a:r>
+              <a:rPr lang="en-US" altLang="zh-CN" dirty="0" smtClean="0">
+                <a:latin typeface="微软雅黑" panose="020B0503020204020204" pitchFamily="34" charset="-122"/>
+                <a:ea typeface="微软雅黑" panose="020B0503020204020204" pitchFamily="34" charset="-122"/>
+              </a:rPr>
+              <a:t>Planning</a:t>
+            </a:r>
+            <a:endParaRPr lang="zh-CN" altLang="en-US" dirty="0">
+              <a:latin typeface="微软雅黑" panose="020B0503020204020204" pitchFamily="34" charset="-122"/>
+              <a:ea typeface="微软雅黑" panose="020B0503020204020204" pitchFamily="34" charset="-122"/>
+            </a:endParaRPr>
+          </a:p>
+        </p:txBody>
+      </p:sp>
+      <p:sp>
+        <p:nvSpPr>
+          <p:cNvPr id="5" name="文本框 4"/>
+          <p:cNvSpPr txBox="1"/>
           <p:nvPr/>
-        </p:nvPicPr>
-        <p:blipFill>
-          <a:blip r:embed="rId2">
-            <a:extLst>
-              <a:ext uri="{28A0092B-C50C-407E-A947-70E740481C1C}">
-                <a14:useLocalDpi xmlns:a14="http://schemas.microsoft.com/office/drawing/2010/main" val="0"/>
-              </a:ext>
-            </a:extLst>
-          </a:blip>
-          <a:stretch>
-            <a:fillRect/>
-          </a:stretch>
-        </p:blipFill>
+        </p:nvSpPr>
         <p:spPr>
           <a:xfrm>
-            <a:off x="1256488" y="105368"/>
-            <a:ext cx="9398442" cy="6858000"/>
+            <a:off x="2338086" y="2998113"/>
+            <a:ext cx="2642477" cy="861774"/>
           </a:xfrm>
           <a:prstGeom prst="rect">
             <a:avLst/>
           </a:prstGeom>
+          <a:noFill/>
         </p:spPr>
-      </p:pic>
+        <p:txBody>
+          <a:bodyPr wrap="square" rtlCol="0">
+            <a:spAutoFit/>
+          </a:bodyPr>
+          <a:lstStyle/>
+          <a:p>
+            <a:r>
+              <a:rPr lang="en-US" altLang="zh-CN" sz="5000" dirty="0" smtClean="0">
+                <a:latin typeface="微软雅黑" panose="020B0503020204020204" pitchFamily="34" charset="-122"/>
+                <a:ea typeface="微软雅黑" panose="020B0503020204020204" pitchFamily="34" charset="-122"/>
+              </a:rPr>
+              <a:t>CS140e</a:t>
+            </a:r>
+            <a:endParaRPr lang="zh-CN" altLang="en-US" sz="5000" dirty="0">
+              <a:latin typeface="微软雅黑" panose="020B0503020204020204" pitchFamily="34" charset="-122"/>
+              <a:ea typeface="微软雅黑" panose="020B0503020204020204" pitchFamily="34" charset="-122"/>
+            </a:endParaRPr>
+          </a:p>
+        </p:txBody>
+      </p:sp>
+      <p:sp>
+        <p:nvSpPr>
+          <p:cNvPr id="6" name="燕尾形 5"/>
+          <p:cNvSpPr/>
+          <p:nvPr/>
+        </p:nvSpPr>
+        <p:spPr>
+          <a:xfrm>
+            <a:off x="5505853" y="3220074"/>
+            <a:ext cx="1225686" cy="417852"/>
+          </a:xfrm>
+          <a:prstGeom prst="chevron">
+            <a:avLst/>
+          </a:prstGeom>
+        </p:spPr>
+        <p:style>
+          <a:lnRef idx="3">
+            <a:schemeClr val="lt1"/>
+          </a:lnRef>
+          <a:fillRef idx="1">
+            <a:schemeClr val="dk1"/>
+          </a:fillRef>
+          <a:effectRef idx="1">
+            <a:schemeClr val="dk1"/>
+          </a:effectRef>
+          <a:fontRef idx="minor">
+            <a:schemeClr val="lt1"/>
+          </a:fontRef>
+        </p:style>
+        <p:txBody>
+          <a:bodyPr rtlCol="0" anchor="ctr"/>
+          <a:lstStyle/>
+          <a:p>
+            <a:pPr algn="ctr"/>
+            <a:endParaRPr lang="zh-CN" altLang="en-US">
+              <a:solidFill>
+                <a:schemeClr val="tx1"/>
+              </a:solidFill>
+            </a:endParaRPr>
+          </a:p>
+        </p:txBody>
+      </p:sp>
+      <p:sp>
+        <p:nvSpPr>
+          <p:cNvPr id="7" name="文本框 6"/>
+          <p:cNvSpPr txBox="1"/>
+          <p:nvPr/>
+        </p:nvSpPr>
+        <p:spPr>
+          <a:xfrm>
+            <a:off x="7418963" y="2998113"/>
+            <a:ext cx="3137148" cy="861774"/>
+          </a:xfrm>
+          <a:prstGeom prst="rect">
+            <a:avLst/>
+          </a:prstGeom>
+          <a:noFill/>
+        </p:spPr>
+        <p:txBody>
+          <a:bodyPr wrap="square" rtlCol="0">
+            <a:spAutoFit/>
+          </a:bodyPr>
+          <a:lstStyle/>
+          <a:p>
+            <a:r>
+              <a:rPr lang="en-US" altLang="zh-CN" sz="5000" dirty="0" smtClean="0">
+                <a:latin typeface="微软雅黑" panose="020B0503020204020204" pitchFamily="34" charset="-122"/>
+                <a:ea typeface="微软雅黑" panose="020B0503020204020204" pitchFamily="34" charset="-122"/>
+              </a:rPr>
+              <a:t>Further … </a:t>
+            </a:r>
+            <a:endParaRPr lang="zh-CN" altLang="en-US" sz="5000" dirty="0">
+              <a:latin typeface="微软雅黑" panose="020B0503020204020204" pitchFamily="34" charset="-122"/>
+              <a:ea typeface="微软雅黑" panose="020B0503020204020204" pitchFamily="34" charset="-122"/>
+            </a:endParaRPr>
+          </a:p>
+        </p:txBody>
+      </p:sp>
     </p:spTree>
     <p:extLst>
       <p:ext uri="{BB962C8B-B14F-4D97-AF65-F5344CB8AC3E}">
-        <p14:creationId xmlns:p14="http://schemas.microsoft.com/office/powerpoint/2010/main" val="2773068947"/>
+        <p14:creationId xmlns:p14="http://schemas.microsoft.com/office/powerpoint/2010/main" val="4171867405"/>
       </p:ext>
     </p:extLst>
   </p:cSld>
@@ -5353,189 +5397,9 @@
           <a:chExt cx="0" cy="0"/>
         </a:xfrm>
       </p:grpSpPr>
-      <p:sp>
-        <p:nvSpPr>
-          <p:cNvPr id="2" name="标题 1"/>
-          <p:cNvSpPr>
-            <a:spLocks noGrp="1"/>
-          </p:cNvSpPr>
-          <p:nvPr>
-            <p:ph type="title"/>
-          </p:nvPr>
-        </p:nvSpPr>
-        <p:spPr/>
-        <p:txBody>
-          <a:bodyPr/>
-          <a:lstStyle/>
-          <a:p>
-            <a:r>
-              <a:rPr lang="en-US" altLang="zh-CN" dirty="0" smtClean="0">
-                <a:latin typeface="微软雅黑" panose="020B0503020204020204" pitchFamily="34" charset="-122"/>
-                <a:ea typeface="微软雅黑" panose="020B0503020204020204" pitchFamily="34" charset="-122"/>
-              </a:rPr>
-              <a:t>Planning</a:t>
-            </a:r>
-            <a:endParaRPr lang="zh-CN" altLang="en-US" dirty="0">
-              <a:latin typeface="微软雅黑" panose="020B0503020204020204" pitchFamily="34" charset="-122"/>
-              <a:ea typeface="微软雅黑" panose="020B0503020204020204" pitchFamily="34" charset="-122"/>
-            </a:endParaRPr>
-          </a:p>
-        </p:txBody>
-      </p:sp>
-      <p:sp>
-        <p:nvSpPr>
-          <p:cNvPr id="5" name="文本框 4"/>
-          <p:cNvSpPr txBox="1"/>
-          <p:nvPr/>
-        </p:nvSpPr>
-        <p:spPr>
-          <a:xfrm>
-            <a:off x="2338086" y="2998113"/>
-            <a:ext cx="2642477" cy="861774"/>
-          </a:xfrm>
-          <a:prstGeom prst="rect">
-            <a:avLst/>
-          </a:prstGeom>
-          <a:noFill/>
-        </p:spPr>
-        <p:txBody>
-          <a:bodyPr wrap="square" rtlCol="0">
-            <a:spAutoFit/>
-          </a:bodyPr>
-          <a:lstStyle/>
-          <a:p>
-            <a:r>
-              <a:rPr lang="en-US" altLang="zh-CN" sz="5000" dirty="0" smtClean="0">
-                <a:latin typeface="微软雅黑" panose="020B0503020204020204" pitchFamily="34" charset="-122"/>
-                <a:ea typeface="微软雅黑" panose="020B0503020204020204" pitchFamily="34" charset="-122"/>
-              </a:rPr>
-              <a:t>CS140e</a:t>
-            </a:r>
-            <a:endParaRPr lang="zh-CN" altLang="en-US" sz="5000" dirty="0">
-              <a:latin typeface="微软雅黑" panose="020B0503020204020204" pitchFamily="34" charset="-122"/>
-              <a:ea typeface="微软雅黑" panose="020B0503020204020204" pitchFamily="34" charset="-122"/>
-            </a:endParaRPr>
-          </a:p>
-        </p:txBody>
-      </p:sp>
-      <p:sp>
-        <p:nvSpPr>
-          <p:cNvPr id="6" name="燕尾形 5"/>
-          <p:cNvSpPr/>
-          <p:nvPr/>
-        </p:nvSpPr>
-        <p:spPr>
-          <a:xfrm>
-            <a:off x="5505853" y="3220074"/>
-            <a:ext cx="1225686" cy="417852"/>
-          </a:xfrm>
-          <a:prstGeom prst="chevron">
-            <a:avLst/>
-          </a:prstGeom>
-        </p:spPr>
-        <p:style>
-          <a:lnRef idx="3">
-            <a:schemeClr val="lt1"/>
-          </a:lnRef>
-          <a:fillRef idx="1">
-            <a:schemeClr val="dk1"/>
-          </a:fillRef>
-          <a:effectRef idx="1">
-            <a:schemeClr val="dk1"/>
-          </a:effectRef>
-          <a:fontRef idx="minor">
-            <a:schemeClr val="lt1"/>
-          </a:fontRef>
-        </p:style>
-        <p:txBody>
-          <a:bodyPr rtlCol="0" anchor="ctr"/>
-          <a:lstStyle/>
-          <a:p>
-            <a:pPr algn="ctr"/>
-            <a:endParaRPr lang="zh-CN" altLang="en-US">
-              <a:solidFill>
-                <a:schemeClr val="tx1"/>
-              </a:solidFill>
-            </a:endParaRPr>
-          </a:p>
-        </p:txBody>
-      </p:sp>
-      <p:sp>
-        <p:nvSpPr>
-          <p:cNvPr id="7" name="文本框 6"/>
-          <p:cNvSpPr txBox="1"/>
-          <p:nvPr/>
-        </p:nvSpPr>
-        <p:spPr>
-          <a:xfrm>
-            <a:off x="7418963" y="2998113"/>
-            <a:ext cx="3137148" cy="861774"/>
-          </a:xfrm>
-          <a:prstGeom prst="rect">
-            <a:avLst/>
-          </a:prstGeom>
-          <a:noFill/>
-        </p:spPr>
-        <p:txBody>
-          <a:bodyPr wrap="square" rtlCol="0">
-            <a:spAutoFit/>
-          </a:bodyPr>
-          <a:lstStyle/>
-          <a:p>
-            <a:r>
-              <a:rPr lang="en-US" altLang="zh-CN" sz="5000" dirty="0" smtClean="0">
-                <a:latin typeface="微软雅黑" panose="020B0503020204020204" pitchFamily="34" charset="-122"/>
-                <a:ea typeface="微软雅黑" panose="020B0503020204020204" pitchFamily="34" charset="-122"/>
-              </a:rPr>
-              <a:t>Further … </a:t>
-            </a:r>
-            <a:endParaRPr lang="zh-CN" altLang="en-US" sz="5000" dirty="0">
-              <a:latin typeface="微软雅黑" panose="020B0503020204020204" pitchFamily="34" charset="-122"/>
-              <a:ea typeface="微软雅黑" panose="020B0503020204020204" pitchFamily="34" charset="-122"/>
-            </a:endParaRPr>
-          </a:p>
-        </p:txBody>
-      </p:sp>
-    </p:spTree>
-    <p:extLst>
-      <p:ext uri="{BB962C8B-B14F-4D97-AF65-F5344CB8AC3E}">
-        <p14:creationId xmlns:p14="http://schemas.microsoft.com/office/powerpoint/2010/main" val="4171867405"/>
-      </p:ext>
-    </p:extLst>
-  </p:cSld>
-  <p:clrMapOvr>
-    <a:masterClrMapping/>
-  </p:clrMapOvr>
-  <p:timing>
-    <p:tnLst>
-      <p:par>
-        <p:cTn id="1" dur="indefinite" restart="never" nodeType="tmRoot"/>
-      </p:par>
-    </p:tnLst>
-  </p:timing>
-</p:sld>
-</file>
-
-<file path=ppt/slides/slide9.xml><?xml version="1.0" encoding="utf-8"?>
-<p:sld xmlns:a="http://schemas.openxmlformats.org/drawingml/2006/main" xmlns:r="http://schemas.openxmlformats.org/officeDocument/2006/relationships" xmlns:p="http://schemas.openxmlformats.org/presentationml/2006/main">
-  <p:cSld>
-    <p:spTree>
-      <p:nvGrpSpPr>
-        <p:cNvPr id="1" name=""/>
-        <p:cNvGrpSpPr/>
-        <p:nvPr/>
-      </p:nvGrpSpPr>
-      <p:grpSpPr>
-        <a:xfrm>
-          <a:off x="0" y="0"/>
-          <a:ext cx="0" cy="0"/>
-          <a:chOff x="0" y="0"/>
-          <a:chExt cx="0" cy="0"/>
-        </a:xfrm>
-      </p:grpSpPr>
       <p:pic>
         <p:nvPicPr>
-          <p:cNvPr id="4" name="图片 3"/>
+          <p:cNvPr id="2" name="图片 1"/>
           <p:cNvPicPr>
             <a:picLocks noChangeAspect="1"/>
           </p:cNvPicPr>
@@ -5573,6 +5437,104 @@
   <p:clrMapOvr>
     <a:masterClrMapping/>
   </p:clrMapOvr>
+</p:sld>
+</file>
+
+<file path=ppt/slides/slide9.xml><?xml version="1.0" encoding="utf-8"?>
+<p:sld xmlns:a="http://schemas.openxmlformats.org/drawingml/2006/main" xmlns:r="http://schemas.openxmlformats.org/officeDocument/2006/relationships" xmlns:p="http://schemas.openxmlformats.org/presentationml/2006/main">
+  <p:cSld>
+    <p:spTree>
+      <p:nvGrpSpPr>
+        <p:cNvPr id="1" name=""/>
+        <p:cNvGrpSpPr/>
+        <p:nvPr/>
+      </p:nvGrpSpPr>
+      <p:grpSpPr>
+        <a:xfrm>
+          <a:off x="0" y="0"/>
+          <a:ext cx="0" cy="0"/>
+          <a:chOff x="0" y="0"/>
+          <a:chExt cx="0" cy="0"/>
+        </a:xfrm>
+      </p:grpSpPr>
+      <p:sp>
+        <p:nvSpPr>
+          <p:cNvPr id="2" name="标题 1"/>
+          <p:cNvSpPr>
+            <a:spLocks noGrp="1"/>
+          </p:cNvSpPr>
+          <p:nvPr>
+            <p:ph type="title"/>
+          </p:nvPr>
+        </p:nvSpPr>
+        <p:spPr/>
+        <p:txBody>
+          <a:bodyPr/>
+          <a:lstStyle/>
+          <a:p>
+            <a:r>
+              <a:rPr lang="en-US" altLang="zh-CN" dirty="0" smtClean="0">
+                <a:latin typeface="微软雅黑" panose="020B0503020204020204" pitchFamily="34" charset="-122"/>
+                <a:ea typeface="微软雅黑" panose="020B0503020204020204" pitchFamily="34" charset="-122"/>
+              </a:rPr>
+              <a:t>CS140e @ </a:t>
+            </a:r>
+            <a:r>
+              <a:rPr lang="en-US" altLang="zh-CN" dirty="0" smtClean="0">
+                <a:latin typeface="微软雅黑" panose="020B0503020204020204" pitchFamily="34" charset="-122"/>
+                <a:ea typeface="微软雅黑" panose="020B0503020204020204" pitchFamily="34" charset="-122"/>
+                <a:hlinkClick r:id="rId2"/>
+              </a:rPr>
+              <a:t>https://cs140e.sergio.bz/</a:t>
+            </a:r>
+            <a:endParaRPr lang="zh-CN" altLang="en-US" dirty="0">
+              <a:latin typeface="微软雅黑" panose="020B0503020204020204" pitchFamily="34" charset="-122"/>
+              <a:ea typeface="微软雅黑" panose="020B0503020204020204" pitchFamily="34" charset="-122"/>
+            </a:endParaRPr>
+          </a:p>
+        </p:txBody>
+      </p:sp>
+      <p:pic>
+        <p:nvPicPr>
+          <p:cNvPr id="8" name="图片 7"/>
+          <p:cNvPicPr>
+            <a:picLocks noChangeAspect="1"/>
+          </p:cNvPicPr>
+          <p:nvPr/>
+        </p:nvPicPr>
+        <p:blipFill>
+          <a:blip r:embed="rId3"/>
+          <a:stretch>
+            <a:fillRect/>
+          </a:stretch>
+        </p:blipFill>
+        <p:spPr>
+          <a:xfrm>
+            <a:off x="0" y="1536700"/>
+            <a:ext cx="12192000" cy="5321300"/>
+          </a:xfrm>
+          <a:prstGeom prst="rect">
+            <a:avLst/>
+          </a:prstGeom>
+        </p:spPr>
+      </p:pic>
+    </p:spTree>
+    <p:extLst>
+      <p:ext uri="{BB962C8B-B14F-4D97-AF65-F5344CB8AC3E}">
+        <p14:creationId xmlns:p14="http://schemas.microsoft.com/office/powerpoint/2010/main" val="2938195899"/>
+      </p:ext>
+    </p:extLst>
+  </p:cSld>
+  <p:clrMapOvr>
+    <a:masterClrMapping/>
+  </p:clrMapOvr>
+  <p:timing>
+    <p:tnLst>
+      <p:par>
+        <p:cTn id="1" dur="indefinite" restart="never" nodeType="tmRoot"/>
+      </p:par>
+    </p:tnLst>
+  </p:timing>
 </p:sld>
 </file>
 

--- a/docs/mid_term_report.pptx
+++ b/docs/mid_term_report.pptx
@@ -220,7 +220,7 @@
             </a:lvl1pPr>
           </a:lstStyle>
           <a:p>
-            <a:fld id="{93549897-F329-42D6-AD14-E49011330F2F}" type="datetimeFigureOut">
+            <a:fld id="{6C31B518-9A74-4B27-A0CA-412A5CCEBF4F}" type="datetimeFigureOut">
               <a:rPr lang="zh-CN" altLang="en-US" smtClean="0"/>
               <a:t>2019/4/18</a:t>
             </a:fld>
@@ -379,7 +379,7 @@
             </a:lvl1pPr>
           </a:lstStyle>
           <a:p>
-            <a:fld id="{C0AEF3EB-6791-4A01-BDCC-BB760E0EC964}" type="slidenum">
+            <a:fld id="{8CBC2DFF-C306-4F40-AC18-A081F619D482}" type="slidenum">
               <a:rPr lang="zh-CN" altLang="en-US" smtClean="0"/>
               <a:t>‹#›</a:t>
             </a:fld>
@@ -388,11 +388,6 @@
         </p:txBody>
       </p:sp>
     </p:spTree>
-    <p:extLst>
-      <p:ext uri="{BB962C8B-B14F-4D97-AF65-F5344CB8AC3E}">
-        <p14:creationId xmlns:p14="http://schemas.microsoft.com/office/powerpoint/2010/main" val="3913564523"/>
-      </p:ext>
-    </p:extLst>
   </p:cSld>
   <p:clrMap bg1="lt1" tx1="dk1" bg2="lt2" tx2="dk2" accent1="accent1" accent2="accent2" accent3="accent3" accent4="accent4" accent5="accent5" accent6="accent6" hlink="hlink" folHlink="folHlink"/>
   <p:notesStyle>
@@ -4017,7 +4012,7 @@
       </p:sp>
       <p:pic>
         <p:nvPicPr>
-          <p:cNvPr id="2" name="图片 1"/>
+          <p:cNvPr id="4" name="图片 3"/>
           <p:cNvPicPr>
             <a:picLocks noChangeAspect="1"/>
           </p:cNvPicPr>
@@ -4037,8 +4032,38 @@
         </p:blipFill>
         <p:spPr>
           <a:xfrm>
-            <a:off x="942372" y="1254868"/>
-            <a:ext cx="8067675" cy="5219700"/>
+            <a:off x="6516022" y="1254868"/>
+            <a:ext cx="4785993" cy="5219700"/>
+          </a:xfrm>
+          <a:prstGeom prst="rect">
+            <a:avLst/>
+          </a:prstGeom>
+        </p:spPr>
+      </p:pic>
+      <p:pic>
+        <p:nvPicPr>
+          <p:cNvPr id="6" name="图片 5"/>
+          <p:cNvPicPr>
+            <a:picLocks noChangeAspect="1"/>
+          </p:cNvPicPr>
+          <p:nvPr/>
+        </p:nvPicPr>
+        <p:blipFill>
+          <a:blip r:embed="rId3">
+            <a:extLst>
+              <a:ext uri="{28A0092B-C50C-407E-A947-70E740481C1C}">
+                <a14:useLocalDpi xmlns:a14="http://schemas.microsoft.com/office/drawing/2010/main" val="0"/>
+              </a:ext>
+            </a:extLst>
+          </a:blip>
+          <a:stretch>
+            <a:fillRect/>
+          </a:stretch>
+        </p:blipFill>
+        <p:spPr>
+          <a:xfrm>
+            <a:off x="847344" y="1254868"/>
+            <a:ext cx="4831383" cy="5219700"/>
           </a:xfrm>
           <a:prstGeom prst="rect">
             <a:avLst/>
@@ -4969,6 +4994,13 @@
   <p:clrMapOvr>
     <a:masterClrMapping/>
   </p:clrMapOvr>
+  <p:timing>
+    <p:tnLst>
+      <p:par>
+        <p:cTn id="1" dur="indefinite" restart="never" nodeType="tmRoot"/>
+      </p:par>
+    </p:tnLst>
+  </p:timing>
 </p:sld>
 </file>
 
@@ -5101,6 +5133,13 @@
   <p:clrMapOvr>
     <a:masterClrMapping/>
   </p:clrMapOvr>
+  <p:timing>
+    <p:tnLst>
+      <p:par>
+        <p:cTn id="1" dur="indefinite" restart="never" nodeType="tmRoot"/>
+      </p:par>
+    </p:tnLst>
+  </p:timing>
 </p:sld>
 </file>
 
@@ -5437,6 +5476,13 @@
   <p:clrMapOvr>
     <a:masterClrMapping/>
   </p:clrMapOvr>
+  <p:timing>
+    <p:tnLst>
+      <p:par>
+        <p:cTn id="1" dur="indefinite" restart="never" nodeType="tmRoot"/>
+      </p:par>
+    </p:tnLst>
+  </p:timing>
 </p:sld>
 </file>
 
@@ -5496,7 +5542,7 @@
       </p:sp>
       <p:pic>
         <p:nvPicPr>
-          <p:cNvPr id="8" name="图片 7"/>
+          <p:cNvPr id="3" name="图片 2"/>
           <p:cNvPicPr>
             <a:picLocks noChangeAspect="1"/>
           </p:cNvPicPr>
@@ -5510,8 +5556,8 @@
         </p:blipFill>
         <p:spPr>
           <a:xfrm>
-            <a:off x="0" y="1536700"/>
-            <a:ext cx="12192000" cy="5321300"/>
+            <a:off x="0" y="1562100"/>
+            <a:ext cx="12192000" cy="5295900"/>
           </a:xfrm>
           <a:prstGeom prst="rect">
             <a:avLst/>
